--- a/courses/oopjava/lecture4.pptx
+++ b/courses/oopjava/lecture4.pptx
@@ -5,10 +5,10 @@
     <p:sldMasterId id="2147483816" r:id="rId1"/>
   </p:sldMasterIdLst>
   <p:notesMasterIdLst>
-    <p:notesMasterId r:id="rId13"/>
+    <p:notesMasterId r:id="rId15"/>
   </p:notesMasterIdLst>
   <p:handoutMasterIdLst>
-    <p:handoutMasterId r:id="rId14"/>
+    <p:handoutMasterId r:id="rId16"/>
   </p:handoutMasterIdLst>
   <p:sldIdLst>
     <p:sldId id="256" r:id="rId2"/>
@@ -20,8 +20,10 @@
     <p:sldId id="350" r:id="rId8"/>
     <p:sldId id="352" r:id="rId9"/>
     <p:sldId id="351" r:id="rId10"/>
-    <p:sldId id="354" r:id="rId11"/>
-    <p:sldId id="360" r:id="rId12"/>
+    <p:sldId id="359" r:id="rId11"/>
+    <p:sldId id="361" r:id="rId12"/>
+    <p:sldId id="354" r:id="rId13"/>
+    <p:sldId id="360" r:id="rId14"/>
   </p:sldIdLst>
   <p:sldSz cx="9144000" cy="6858000" type="screen4x3"/>
   <p:notesSz cx="6858000" cy="9144000"/>
@@ -690,6 +692,91 @@
     </a:lvl9pPr>
   </p:notesStyle>
 </p:notesMaster>
+</file>
+
+<file path=ppt/notesSlides/notesSlide1.xml><?xml version="1.0" encoding="utf-8"?>
+<p:notes xmlns:a="http://schemas.openxmlformats.org/drawingml/2006/main" xmlns:r="http://schemas.openxmlformats.org/officeDocument/2006/relationships" xmlns:p="http://schemas.openxmlformats.org/presentationml/2006/main">
+  <p:cSld>
+    <p:spTree>
+      <p:nvGrpSpPr>
+        <p:cNvPr id="1" name=""/>
+        <p:cNvGrpSpPr/>
+        <p:nvPr/>
+      </p:nvGrpSpPr>
+      <p:grpSpPr>
+        <a:xfrm>
+          <a:off x="0" y="0"/>
+          <a:ext cx="0" cy="0"/>
+          <a:chOff x="0" y="0"/>
+          <a:chExt cx="0" cy="0"/>
+        </a:xfrm>
+      </p:grpSpPr>
+      <p:sp>
+        <p:nvSpPr>
+          <p:cNvPr id="2" name="Slide Image Placeholder 1"/>
+          <p:cNvSpPr>
+            <a:spLocks noGrp="1" noRot="1" noChangeAspect="1"/>
+          </p:cNvSpPr>
+          <p:nvPr>
+            <p:ph type="sldImg"/>
+          </p:nvPr>
+        </p:nvSpPr>
+        <p:spPr/>
+      </p:sp>
+      <p:sp>
+        <p:nvSpPr>
+          <p:cNvPr id="3" name="Notes Placeholder 2"/>
+          <p:cNvSpPr>
+            <a:spLocks noGrp="1"/>
+          </p:cNvSpPr>
+          <p:nvPr>
+            <p:ph type="body" idx="1"/>
+          </p:nvPr>
+        </p:nvSpPr>
+        <p:spPr/>
+        <p:txBody>
+          <a:bodyPr/>
+          <a:lstStyle/>
+          <a:p>
+            <a:endParaRPr lang="en-US" dirty="0"/>
+          </a:p>
+        </p:txBody>
+      </p:sp>
+      <p:sp>
+        <p:nvSpPr>
+          <p:cNvPr id="4" name="Slide Number Placeholder 3"/>
+          <p:cNvSpPr>
+            <a:spLocks noGrp="1"/>
+          </p:cNvSpPr>
+          <p:nvPr>
+            <p:ph type="sldNum" sz="quarter" idx="10"/>
+          </p:nvPr>
+        </p:nvSpPr>
+        <p:spPr/>
+        <p:txBody>
+          <a:bodyPr/>
+          <a:lstStyle/>
+          <a:p>
+            <a:fld id="{CB4F38C2-4548-F541-8261-4C1D96E7A166}" type="slidenum">
+              <a:rPr lang="en-US" smtClean="0"/>
+              <a:pPr/>
+              <a:t>10</a:t>
+            </a:fld>
+            <a:endParaRPr lang="en-US"/>
+          </a:p>
+        </p:txBody>
+      </p:sp>
+    </p:spTree>
+    <p:extLst>
+      <p:ext uri="{BB962C8B-B14F-4D97-AF65-F5344CB8AC3E}">
+        <p14:creationId xmlns:p14="http://schemas.microsoft.com/office/powerpoint/2010/main" val="692013588"/>
+      </p:ext>
+    </p:extLst>
+  </p:cSld>
+  <p:clrMapOvr>
+    <a:masterClrMapping/>
+  </p:clrMapOvr>
+</p:notes>
 </file>
 
 <file path=ppt/slideLayouts/slideLayout1.xml><?xml version="1.0" encoding="utf-8"?>
@@ -4632,13 +4719,7 @@
       </p:grpSpPr>
       <p:sp>
         <p:nvSpPr>
-          <p:cNvPr id="2" name="Title 1">
-            <a:extLst>
-              <a:ext uri="{FF2B5EF4-FFF2-40B4-BE49-F238E27FC236}">
-                <a16:creationId xmlns:a16="http://schemas.microsoft.com/office/drawing/2014/main" id="{89398ED0-03EF-0B4C-8674-869205E44900}"/>
-              </a:ext>
-            </a:extLst>
-          </p:cNvPr>
+          <p:cNvPr id="2" name="Title 1"/>
           <p:cNvSpPr>
             <a:spLocks noGrp="1"/>
           </p:cNvSpPr>
@@ -4652,21 +4733,15 @@
           <a:lstStyle/>
           <a:p>
             <a:r>
-              <a:rPr lang="en-VN" dirty="0"/>
-              <a:t>Aggregation</a:t>
-            </a:r>
-          </a:p>
-        </p:txBody>
-      </p:sp>
-      <p:sp>
-        <p:nvSpPr>
-          <p:cNvPr id="3" name="Content Placeholder 2">
-            <a:extLst>
-              <a:ext uri="{FF2B5EF4-FFF2-40B4-BE49-F238E27FC236}">
-                <a16:creationId xmlns:a16="http://schemas.microsoft.com/office/drawing/2014/main" id="{FA73B0B4-9998-F945-9467-DB0F65617FEE}"/>
-              </a:ext>
-            </a:extLst>
-          </p:cNvPr>
+              <a:rPr lang="en-US" dirty="0"/>
+              <a:t>Static, final</a:t>
+            </a:r>
+          </a:p>
+        </p:txBody>
+      </p:sp>
+      <p:sp>
+        <p:nvSpPr>
+          <p:cNvPr id="3" name="Content Placeholder 2"/>
           <p:cNvSpPr>
             <a:spLocks noGrp="1"/>
           </p:cNvSpPr>
@@ -4674,6 +4749,33 @@
             <p:ph idx="1"/>
           </p:nvPr>
         </p:nvSpPr>
+        <p:spPr>
+          <a:xfrm>
+            <a:off x="457200" y="1600200"/>
+            <a:ext cx="8229600" cy="988888"/>
+          </a:xfrm>
+        </p:spPr>
+        <p:txBody>
+          <a:bodyPr/>
+          <a:lstStyle/>
+          <a:p>
+            <a:r>
+              <a:rPr lang="en-US" sz="2000" dirty="0"/>
+              <a:t>Static method/property is method/property defined in class, not in instance. So we call static methods/access properties via class name, not via an instance.</a:t>
+            </a:r>
+          </a:p>
+        </p:txBody>
+      </p:sp>
+      <p:sp>
+        <p:nvSpPr>
+          <p:cNvPr id="4" name="Footer Placeholder 3"/>
+          <p:cNvSpPr>
+            <a:spLocks noGrp="1"/>
+          </p:cNvSpPr>
+          <p:nvPr>
+            <p:ph type="ftr" sz="quarter" idx="10"/>
+          </p:nvPr>
+        </p:nvSpPr>
         <p:spPr/>
         <p:txBody>
           <a:bodyPr/>
@@ -4681,78 +4783,19 @@
           <a:p>
             <a:r>
               <a:rPr lang="en-US" dirty="0"/>
-              <a:t>If a class have an entity reference, it is known as Aggregation. Aggregation represents HAS-A relationship.</a:t>
-            </a:r>
-          </a:p>
-          <a:p>
-            <a:r>
-              <a:rPr lang="en-US" dirty="0"/>
-              <a:t>Consider a situation, Employee object contains many </a:t>
-            </a:r>
-            <a:r>
-              <a:rPr lang="en-US" dirty="0" err="1"/>
-              <a:t>informations</a:t>
-            </a:r>
-            <a:r>
-              <a:rPr lang="en-US" dirty="0"/>
-              <a:t> such as id, name, </a:t>
-            </a:r>
-            <a:r>
-              <a:rPr lang="en-US" dirty="0" err="1"/>
-              <a:t>emailId</a:t>
-            </a:r>
-            <a:r>
-              <a:rPr lang="en-US" dirty="0"/>
-              <a:t> etc. It contains one more object named address, which contains its own </a:t>
-            </a:r>
-            <a:r>
-              <a:rPr lang="en-US" dirty="0" err="1"/>
-              <a:t>informations</a:t>
-            </a:r>
-            <a:r>
-              <a:rPr lang="en-US" dirty="0"/>
-              <a:t> such as city, state, country, </a:t>
-            </a:r>
-            <a:r>
-              <a:rPr lang="en-US" dirty="0" err="1"/>
-              <a:t>zipcode</a:t>
-            </a:r>
-            <a:r>
-              <a:rPr lang="en-US" dirty="0"/>
-              <a:t> etc.</a:t>
-            </a:r>
-          </a:p>
-          <a:p>
-            <a:r>
-              <a:rPr lang="en-US" dirty="0"/>
-              <a:t>https://</a:t>
-            </a:r>
-            <a:r>
-              <a:rPr lang="en-US" dirty="0" err="1"/>
-              <a:t>www.javatpoint.com</a:t>
-            </a:r>
-            <a:r>
-              <a:rPr lang="en-US" dirty="0"/>
-              <a:t>/aggregation-in-java</a:t>
-            </a:r>
-            <a:endParaRPr lang="en-VN" dirty="0"/>
-          </a:p>
-        </p:txBody>
-      </p:sp>
-      <p:sp>
-        <p:nvSpPr>
-          <p:cNvPr id="4" name="Footer Placeholder 3">
-            <a:extLst>
-              <a:ext uri="{FF2B5EF4-FFF2-40B4-BE49-F238E27FC236}">
-                <a16:creationId xmlns:a16="http://schemas.microsoft.com/office/drawing/2014/main" id="{6127870B-C58F-FB48-82DD-6C82EFD048E5}"/>
-              </a:ext>
-            </a:extLst>
-          </p:cNvPr>
-          <p:cNvSpPr>
-            <a:spLocks noGrp="1"/>
-          </p:cNvSpPr>
-          <p:nvPr>
-            <p:ph type="ftr" sz="quarter" idx="10"/>
+              <a:t>Lecture 3: OOP</a:t>
+            </a:r>
+          </a:p>
+        </p:txBody>
+      </p:sp>
+      <p:sp>
+        <p:nvSpPr>
+          <p:cNvPr id="5" name="Date Placeholder 4"/>
+          <p:cNvSpPr>
+            <a:spLocks noGrp="1"/>
+          </p:cNvSpPr>
+          <p:nvPr>
+            <p:ph type="dt" sz="half" idx="11"/>
           </p:nvPr>
         </p:nvSpPr>
         <p:spPr/>
@@ -4761,36 +4804,8 @@
           <a:lstStyle/>
           <a:p>
             <a:r>
-              <a:rPr lang="en-US" dirty="0"/>
-              <a:t>Lecture 4: Inheritance</a:t>
-            </a:r>
-          </a:p>
-        </p:txBody>
-      </p:sp>
-      <p:sp>
-        <p:nvSpPr>
-          <p:cNvPr id="5" name="Date Placeholder 4">
-            <a:extLst>
-              <a:ext uri="{FF2B5EF4-FFF2-40B4-BE49-F238E27FC236}">
-                <a16:creationId xmlns:a16="http://schemas.microsoft.com/office/drawing/2014/main" id="{5FA6FF56-B16A-904E-AB08-1B2B022FAB05}"/>
-              </a:ext>
-            </a:extLst>
-          </p:cNvPr>
-          <p:cNvSpPr>
-            <a:spLocks noGrp="1"/>
-          </p:cNvSpPr>
-          <p:nvPr>
-            <p:ph type="dt" sz="half" idx="11"/>
-          </p:nvPr>
-        </p:nvSpPr>
-        <p:spPr/>
-        <p:txBody>
-          <a:bodyPr/>
-          <a:lstStyle/>
-          <a:p>
-            <a:r>
-              <a:rPr lang="mr-IN"/>
-              <a:t>10/10/2020</a:t>
+              <a:rPr lang="mr-IN" dirty="0"/>
+              <a:t>03/10/2020</a:t>
             </a:r>
             <a:endParaRPr lang="en-US" dirty="0"/>
           </a:p>
@@ -4798,13 +4813,7 @@
       </p:sp>
       <p:sp>
         <p:nvSpPr>
-          <p:cNvPr id="6" name="Slide Number Placeholder 5">
-            <a:extLst>
-              <a:ext uri="{FF2B5EF4-FFF2-40B4-BE49-F238E27FC236}">
-                <a16:creationId xmlns:a16="http://schemas.microsoft.com/office/drawing/2014/main" id="{68603E9F-7EF3-0F40-BE00-A84AD0662399}"/>
-              </a:ext>
-            </a:extLst>
-          </p:cNvPr>
+          <p:cNvPr id="6" name="Slide Number Placeholder 5"/>
           <p:cNvSpPr>
             <a:spLocks noGrp="1"/>
           </p:cNvSpPr>
@@ -4825,10 +4834,433 @@
           </a:p>
         </p:txBody>
       </p:sp>
+      <p:sp>
+        <p:nvSpPr>
+          <p:cNvPr id="7" name="TextBox 6"/>
+          <p:cNvSpPr txBox="1"/>
+          <p:nvPr/>
+        </p:nvSpPr>
+        <p:spPr>
+          <a:xfrm>
+            <a:off x="457200" y="2589088"/>
+            <a:ext cx="8229600" cy="3139321"/>
+          </a:xfrm>
+          <a:prstGeom prst="rect">
+            <a:avLst/>
+          </a:prstGeom>
+          <a:noFill/>
+        </p:spPr>
+        <p:txBody>
+          <a:bodyPr wrap="square" numCol="2" rtlCol="0">
+            <a:spAutoFit/>
+          </a:bodyPr>
+          <a:lstStyle/>
+          <a:p>
+            <a:pPr marL="0" indent="0">
+              <a:buNone/>
+            </a:pPr>
+            <a:r>
+              <a:rPr lang="en-US" dirty="0"/>
+              <a:t>public class Person {</a:t>
+            </a:r>
+          </a:p>
+          <a:p>
+            <a:pPr marL="0" indent="0">
+              <a:buNone/>
+            </a:pPr>
+            <a:r>
+              <a:rPr lang="en-US" dirty="0"/>
+              <a:t>    public static </a:t>
+            </a:r>
+            <a:r>
+              <a:rPr lang="en-US" dirty="0" err="1"/>
+              <a:t>int</a:t>
+            </a:r>
+            <a:r>
+              <a:rPr lang="en-US" dirty="0"/>
+              <a:t> population;</a:t>
+            </a:r>
+          </a:p>
+          <a:p>
+            <a:pPr marL="0" indent="0">
+              <a:buNone/>
+            </a:pPr>
+            <a:r>
+              <a:rPr lang="en-US" dirty="0"/>
+              <a:t>    public Person() {</a:t>
+            </a:r>
+          </a:p>
+          <a:p>
+            <a:pPr marL="0" indent="0">
+              <a:buNone/>
+            </a:pPr>
+            <a:r>
+              <a:rPr lang="en-US" dirty="0"/>
+              <a:t>       population++;</a:t>
+            </a:r>
+          </a:p>
+          <a:p>
+            <a:pPr marL="0" indent="0">
+              <a:buNone/>
+            </a:pPr>
+            <a:r>
+              <a:rPr lang="en-US" dirty="0"/>
+              <a:t>    }</a:t>
+            </a:r>
+          </a:p>
+          <a:p>
+            <a:pPr marL="0" indent="0">
+              <a:buNone/>
+            </a:pPr>
+            <a:r>
+              <a:rPr lang="en-US" dirty="0"/>
+              <a:t>    public void die() {</a:t>
+            </a:r>
+          </a:p>
+          <a:p>
+            <a:pPr marL="0" indent="0">
+              <a:buNone/>
+            </a:pPr>
+            <a:r>
+              <a:rPr lang="en-US" dirty="0"/>
+              <a:t>       population--;</a:t>
+            </a:r>
+          </a:p>
+          <a:p>
+            <a:pPr marL="0" indent="0">
+              <a:buNone/>
+            </a:pPr>
+            <a:r>
+              <a:rPr lang="en-US" dirty="0"/>
+              <a:t>    }</a:t>
+            </a:r>
+          </a:p>
+          <a:p>
+            <a:pPr marL="0" indent="0">
+              <a:buNone/>
+            </a:pPr>
+            <a:r>
+              <a:rPr lang="en-US" dirty="0"/>
+              <a:t>}</a:t>
+            </a:r>
+          </a:p>
+          <a:p>
+            <a:pPr marL="0" indent="0">
+              <a:buNone/>
+            </a:pPr>
+            <a:endParaRPr lang="en-US" dirty="0"/>
+          </a:p>
+          <a:p>
+            <a:pPr marL="0" indent="0">
+              <a:buNone/>
+            </a:pPr>
+            <a:endParaRPr lang="en-US" dirty="0"/>
+          </a:p>
+          <a:p>
+            <a:pPr marL="0" indent="0">
+              <a:buNone/>
+            </a:pPr>
+            <a:r>
+              <a:rPr lang="en-US" dirty="0"/>
+              <a:t>public class Family {</a:t>
+            </a:r>
+          </a:p>
+          <a:p>
+            <a:pPr marL="0" indent="0">
+              <a:buNone/>
+            </a:pPr>
+            <a:r>
+              <a:rPr lang="en-US" dirty="0"/>
+              <a:t>    private static </a:t>
+            </a:r>
+            <a:r>
+              <a:rPr lang="en-US" dirty="0" err="1"/>
+              <a:t>int</a:t>
+            </a:r>
+            <a:r>
+              <a:rPr lang="en-US" dirty="0"/>
+              <a:t> members;</a:t>
+            </a:r>
+          </a:p>
+          <a:p>
+            <a:pPr marL="0" indent="0">
+              <a:buNone/>
+            </a:pPr>
+            <a:r>
+              <a:rPr lang="en-US" dirty="0"/>
+              <a:t>    public static Money work() {</a:t>
+            </a:r>
+          </a:p>
+          <a:p>
+            <a:pPr marL="0" indent="0">
+              <a:buNone/>
+            </a:pPr>
+            <a:r>
+              <a:rPr lang="en-US" dirty="0"/>
+              <a:t>        return members * 1000;</a:t>
+            </a:r>
+          </a:p>
+          <a:p>
+            <a:pPr marL="0" indent="0">
+              <a:buNone/>
+            </a:pPr>
+            <a:r>
+              <a:rPr lang="en-US" dirty="0"/>
+              <a:t>    }</a:t>
+            </a:r>
+          </a:p>
+          <a:p>
+            <a:pPr marL="0" indent="0">
+              <a:buNone/>
+            </a:pPr>
+            <a:r>
+              <a:rPr lang="en-US" dirty="0"/>
+              <a:t>    protected final String </a:t>
+            </a:r>
+            <a:r>
+              <a:rPr lang="en-US" dirty="0" err="1"/>
+              <a:t>family_rules</a:t>
+            </a:r>
+            <a:r>
+              <a:rPr lang="en-US" dirty="0"/>
+              <a:t>() {</a:t>
+            </a:r>
+          </a:p>
+          <a:p>
+            <a:pPr marL="0" indent="0">
+              <a:buNone/>
+            </a:pPr>
+            <a:r>
+              <a:rPr lang="en-US" dirty="0"/>
+              <a:t>    return “</a:t>
+            </a:r>
+            <a:r>
+              <a:rPr lang="en-US" dirty="0" err="1"/>
+              <a:t>my_ultimate_rules</a:t>
+            </a:r>
+            <a:r>
+              <a:rPr lang="en-US" dirty="0"/>
+              <a:t>”;}</a:t>
+            </a:r>
+          </a:p>
+          <a:p>
+            <a:pPr marL="0" indent="0">
+              <a:buNone/>
+            </a:pPr>
+            <a:r>
+              <a:rPr lang="en-US" dirty="0"/>
+              <a:t>    public static final String    </a:t>
+            </a:r>
+            <a:r>
+              <a:rPr lang="en-US" dirty="0" err="1"/>
+              <a:t>basic_family_rules</a:t>
+            </a:r>
+            <a:r>
+              <a:rPr lang="en-US" dirty="0"/>
+              <a:t>() { return Love; }</a:t>
+            </a:r>
+          </a:p>
+          <a:p>
+            <a:pPr marL="0" indent="0">
+              <a:buNone/>
+            </a:pPr>
+            <a:r>
+              <a:rPr lang="en-US" dirty="0"/>
+              <a:t>}</a:t>
+            </a:r>
+          </a:p>
+        </p:txBody>
+      </p:sp>
+      <p:sp>
+        <p:nvSpPr>
+          <p:cNvPr id="8" name="Content Placeholder 2"/>
+          <p:cNvSpPr txBox="1">
+            <a:spLocks/>
+          </p:cNvSpPr>
+          <p:nvPr/>
+        </p:nvSpPr>
+        <p:spPr>
+          <a:xfrm>
+            <a:off x="335623" y="5564023"/>
+            <a:ext cx="8229600" cy="1153274"/>
+          </a:xfrm>
+          <a:prstGeom prst="rect">
+            <a:avLst/>
+          </a:prstGeom>
+        </p:spPr>
+        <p:txBody>
+          <a:bodyPr/>
+          <a:lstStyle>
+            <a:lvl1pPr marL="342900" indent="-342900" algn="l" defTabSz="457200" rtl="0" eaLnBrk="1" fontAlgn="base" hangingPunct="1">
+              <a:spcBef>
+                <a:spcPts val="600"/>
+              </a:spcBef>
+              <a:spcAft>
+                <a:spcPts val="600"/>
+              </a:spcAft>
+              <a:buFont typeface="Wingdings" charset="2"/>
+              <a:buChar char="²"/>
+              <a:defRPr sz="2400" kern="1200">
+                <a:solidFill>
+                  <a:srgbClr val="46424D"/>
+                </a:solidFill>
+                <a:latin typeface="Arial"/>
+                <a:ea typeface="ＭＳ Ｐゴシック" charset="-128"/>
+                <a:cs typeface="Arial"/>
+              </a:defRPr>
+            </a:lvl1pPr>
+            <a:lvl2pPr marL="742950" indent="-285750" algn="l" defTabSz="457200" rtl="0" eaLnBrk="1" fontAlgn="base" hangingPunct="1">
+              <a:spcBef>
+                <a:spcPts val="300"/>
+              </a:spcBef>
+              <a:spcAft>
+                <a:spcPts val="300"/>
+              </a:spcAft>
+              <a:buFont typeface="Wingdings" charset="2"/>
+              <a:buChar char="§"/>
+              <a:defRPr sz="2000" kern="1200">
+                <a:solidFill>
+                  <a:srgbClr val="46424D"/>
+                </a:solidFill>
+                <a:latin typeface="Arial"/>
+                <a:ea typeface="ＭＳ Ｐゴシック" charset="-128"/>
+                <a:cs typeface="Arial"/>
+              </a:defRPr>
+            </a:lvl2pPr>
+            <a:lvl3pPr marL="1143000" indent="-228600" algn="l" defTabSz="457200" rtl="0" eaLnBrk="1" fontAlgn="base" hangingPunct="1">
+              <a:spcBef>
+                <a:spcPct val="20000"/>
+              </a:spcBef>
+              <a:spcAft>
+                <a:spcPct val="0"/>
+              </a:spcAft>
+              <a:buFont typeface="Arial" charset="0"/>
+              <a:buChar char="•"/>
+              <a:defRPr sz="1800" kern="1200">
+                <a:solidFill>
+                  <a:srgbClr val="46424D"/>
+                </a:solidFill>
+                <a:latin typeface="Arial"/>
+                <a:ea typeface="ＭＳ Ｐゴシック" charset="-128"/>
+                <a:cs typeface="Arial"/>
+              </a:defRPr>
+            </a:lvl3pPr>
+            <a:lvl4pPr marL="1600200" indent="-228600" algn="l" defTabSz="457200" rtl="0" eaLnBrk="1" fontAlgn="base" hangingPunct="1">
+              <a:spcBef>
+                <a:spcPct val="20000"/>
+              </a:spcBef>
+              <a:spcAft>
+                <a:spcPct val="0"/>
+              </a:spcAft>
+              <a:buFont typeface="Arial" charset="0"/>
+              <a:buChar char="–"/>
+              <a:defRPr sz="1800" kern="1200">
+                <a:solidFill>
+                  <a:srgbClr val="46424D"/>
+                </a:solidFill>
+                <a:latin typeface="Arial"/>
+                <a:ea typeface="ＭＳ Ｐゴシック" charset="-128"/>
+                <a:cs typeface="Arial"/>
+              </a:defRPr>
+            </a:lvl4pPr>
+            <a:lvl5pPr marL="2057400" indent="-228600" algn="l" defTabSz="457200" rtl="0" eaLnBrk="1" fontAlgn="base" hangingPunct="1">
+              <a:spcBef>
+                <a:spcPct val="20000"/>
+              </a:spcBef>
+              <a:spcAft>
+                <a:spcPct val="0"/>
+              </a:spcAft>
+              <a:buFont typeface="Arial" charset="0"/>
+              <a:buChar char="»"/>
+              <a:defRPr sz="1800" kern="1200">
+                <a:solidFill>
+                  <a:srgbClr val="46424D"/>
+                </a:solidFill>
+                <a:latin typeface="Arial"/>
+                <a:ea typeface="ＭＳ Ｐゴシック" charset="-128"/>
+                <a:cs typeface="Arial"/>
+              </a:defRPr>
+            </a:lvl5pPr>
+            <a:lvl6pPr marL="2514600" indent="-228600" algn="l" defTabSz="457200" rtl="0" eaLnBrk="1" latinLnBrk="0" hangingPunct="1">
+              <a:spcBef>
+                <a:spcPct val="20000"/>
+              </a:spcBef>
+              <a:buFont typeface="Arial"/>
+              <a:buChar char="•"/>
+              <a:defRPr sz="2000" kern="1200">
+                <a:solidFill>
+                  <a:schemeClr val="tx1"/>
+                </a:solidFill>
+                <a:latin typeface="+mn-lt"/>
+                <a:ea typeface="+mn-ea"/>
+                <a:cs typeface="+mn-cs"/>
+              </a:defRPr>
+            </a:lvl6pPr>
+            <a:lvl7pPr marL="2971800" indent="-228600" algn="l" defTabSz="457200" rtl="0" eaLnBrk="1" latinLnBrk="0" hangingPunct="1">
+              <a:spcBef>
+                <a:spcPct val="20000"/>
+              </a:spcBef>
+              <a:buFont typeface="Arial"/>
+              <a:buChar char="•"/>
+              <a:defRPr sz="2000" kern="1200">
+                <a:solidFill>
+                  <a:schemeClr val="tx1"/>
+                </a:solidFill>
+                <a:latin typeface="+mn-lt"/>
+                <a:ea typeface="+mn-ea"/>
+                <a:cs typeface="+mn-cs"/>
+              </a:defRPr>
+            </a:lvl7pPr>
+            <a:lvl8pPr marL="3429000" indent="-228600" algn="l" defTabSz="457200" rtl="0" eaLnBrk="1" latinLnBrk="0" hangingPunct="1">
+              <a:spcBef>
+                <a:spcPct val="20000"/>
+              </a:spcBef>
+              <a:buFont typeface="Arial"/>
+              <a:buChar char="•"/>
+              <a:defRPr sz="2000" kern="1200">
+                <a:solidFill>
+                  <a:schemeClr val="tx1"/>
+                </a:solidFill>
+                <a:latin typeface="+mn-lt"/>
+                <a:ea typeface="+mn-ea"/>
+                <a:cs typeface="+mn-cs"/>
+              </a:defRPr>
+            </a:lvl8pPr>
+            <a:lvl9pPr marL="3886200" indent="-228600" algn="l" defTabSz="457200" rtl="0" eaLnBrk="1" latinLnBrk="0" hangingPunct="1">
+              <a:spcBef>
+                <a:spcPct val="20000"/>
+              </a:spcBef>
+              <a:buFont typeface="Arial"/>
+              <a:buChar char="•"/>
+              <a:defRPr sz="2000" kern="1200">
+                <a:solidFill>
+                  <a:schemeClr val="tx1"/>
+                </a:solidFill>
+                <a:latin typeface="+mn-lt"/>
+                <a:ea typeface="+mn-ea"/>
+                <a:cs typeface="+mn-cs"/>
+              </a:defRPr>
+            </a:lvl9pPr>
+          </a:lstStyle>
+          <a:p>
+            <a:r>
+              <a:rPr lang="en-US" sz="2000" dirty="0"/>
+              <a:t>Final method/property</a:t>
+            </a:r>
+            <a:r>
+              <a:rPr lang="en-US" dirty="0"/>
+              <a:t>: not allows children class to alter/override. </a:t>
+            </a:r>
+          </a:p>
+          <a:p>
+            <a:endParaRPr lang="en-US" dirty="0"/>
+          </a:p>
+        </p:txBody>
+      </p:sp>
     </p:spTree>
     <p:extLst>
       <p:ext uri="{BB962C8B-B14F-4D97-AF65-F5344CB8AC3E}">
-        <p14:creationId xmlns:p14="http://schemas.microsoft.com/office/powerpoint/2010/main" val="841575608"/>
+        <p14:creationId xmlns:p14="http://schemas.microsoft.com/office/powerpoint/2010/main" val="3996302070"/>
       </p:ext>
     </p:extLst>
   </p:cSld>
@@ -4860,6 +5292,397 @@
       </p:grpSpPr>
       <p:sp>
         <p:nvSpPr>
+          <p:cNvPr id="2" name="Title 1"/>
+          <p:cNvSpPr>
+            <a:spLocks noGrp="1"/>
+          </p:cNvSpPr>
+          <p:nvPr>
+            <p:ph type="title"/>
+          </p:nvPr>
+        </p:nvSpPr>
+        <p:spPr/>
+        <p:txBody>
+          <a:bodyPr/>
+          <a:lstStyle/>
+          <a:p>
+            <a:r>
+              <a:rPr lang="en-US" dirty="0"/>
+              <a:t>Interface vs abstract class &amp; Inheritance</a:t>
+            </a:r>
+          </a:p>
+        </p:txBody>
+      </p:sp>
+      <p:sp>
+        <p:nvSpPr>
+          <p:cNvPr id="3" name="Content Placeholder 2"/>
+          <p:cNvSpPr>
+            <a:spLocks noGrp="1"/>
+          </p:cNvSpPr>
+          <p:nvPr>
+            <p:ph idx="1"/>
+          </p:nvPr>
+        </p:nvSpPr>
+        <p:spPr/>
+        <p:txBody>
+          <a:bodyPr/>
+          <a:lstStyle/>
+          <a:p>
+            <a:r>
+              <a:rPr lang="en-US" dirty="0"/>
+              <a:t>When a class inherits from another class: anything from father/mother/parent is also belong to child.</a:t>
+            </a:r>
+          </a:p>
+          <a:p>
+            <a:r>
+              <a:rPr lang="en-US" dirty="0"/>
+              <a:t>Unfortunately, Java does not have multiple inheritance.</a:t>
+            </a:r>
+          </a:p>
+          <a:p>
+            <a:r>
+              <a:rPr lang="en-US" dirty="0"/>
+              <a:t>Abstract class is just like class, except it has some methods not implemented (so it requires child class to implement).</a:t>
+            </a:r>
+          </a:p>
+          <a:p>
+            <a:r>
+              <a:rPr lang="en-US" dirty="0"/>
+              <a:t>Interface can be considered as empty class, or like responsibility: anything implements interface = must satisfy its behavior.</a:t>
+            </a:r>
+          </a:p>
+        </p:txBody>
+      </p:sp>
+      <p:sp>
+        <p:nvSpPr>
+          <p:cNvPr id="4" name="Footer Placeholder 3"/>
+          <p:cNvSpPr>
+            <a:spLocks noGrp="1"/>
+          </p:cNvSpPr>
+          <p:nvPr>
+            <p:ph type="ftr" sz="quarter" idx="10"/>
+          </p:nvPr>
+        </p:nvSpPr>
+        <p:spPr/>
+        <p:txBody>
+          <a:bodyPr/>
+          <a:lstStyle/>
+          <a:p>
+            <a:r>
+              <a:rPr lang="en-US" dirty="0"/>
+              <a:t>Lecture 3: OOP</a:t>
+            </a:r>
+          </a:p>
+        </p:txBody>
+      </p:sp>
+      <p:sp>
+        <p:nvSpPr>
+          <p:cNvPr id="5" name="Date Placeholder 4"/>
+          <p:cNvSpPr>
+            <a:spLocks noGrp="1"/>
+          </p:cNvSpPr>
+          <p:nvPr>
+            <p:ph type="dt" sz="half" idx="11"/>
+          </p:nvPr>
+        </p:nvSpPr>
+        <p:spPr/>
+        <p:txBody>
+          <a:bodyPr/>
+          <a:lstStyle/>
+          <a:p>
+            <a:r>
+              <a:rPr lang="mr-IN" dirty="0"/>
+              <a:t>03/10/2020</a:t>
+            </a:r>
+            <a:endParaRPr lang="en-US" dirty="0"/>
+          </a:p>
+        </p:txBody>
+      </p:sp>
+      <p:sp>
+        <p:nvSpPr>
+          <p:cNvPr id="6" name="Slide Number Placeholder 5"/>
+          <p:cNvSpPr>
+            <a:spLocks noGrp="1"/>
+          </p:cNvSpPr>
+          <p:nvPr>
+            <p:ph type="sldNum" sz="quarter" idx="12"/>
+          </p:nvPr>
+        </p:nvSpPr>
+        <p:spPr/>
+        <p:txBody>
+          <a:bodyPr/>
+          <a:lstStyle/>
+          <a:p>
+            <a:fld id="{1D5CD492-2BC6-F348-9965-EC1D86DF57A8}" type="slidenum">
+              <a:rPr lang="en-US" smtClean="0"/>
+              <a:t>11</a:t>
+            </a:fld>
+            <a:endParaRPr lang="en-US"/>
+          </a:p>
+        </p:txBody>
+      </p:sp>
+    </p:spTree>
+    <p:extLst>
+      <p:ext uri="{BB962C8B-B14F-4D97-AF65-F5344CB8AC3E}">
+        <p14:creationId xmlns:p14="http://schemas.microsoft.com/office/powerpoint/2010/main" val="1605441062"/>
+      </p:ext>
+    </p:extLst>
+  </p:cSld>
+  <p:clrMapOvr>
+    <a:masterClrMapping/>
+  </p:clrMapOvr>
+  <p:transition spd="med">
+    <p:wipe dir="r"/>
+  </p:transition>
+</p:sld>
+</file>
+
+<file path=ppt/slides/slide12.xml><?xml version="1.0" encoding="utf-8"?>
+<p:sld xmlns:a="http://schemas.openxmlformats.org/drawingml/2006/main" xmlns:r="http://schemas.openxmlformats.org/officeDocument/2006/relationships" xmlns:p="http://schemas.openxmlformats.org/presentationml/2006/main">
+  <p:cSld>
+    <p:spTree>
+      <p:nvGrpSpPr>
+        <p:cNvPr id="1" name=""/>
+        <p:cNvGrpSpPr/>
+        <p:nvPr/>
+      </p:nvGrpSpPr>
+      <p:grpSpPr>
+        <a:xfrm>
+          <a:off x="0" y="0"/>
+          <a:ext cx="0" cy="0"/>
+          <a:chOff x="0" y="0"/>
+          <a:chExt cx="0" cy="0"/>
+        </a:xfrm>
+      </p:grpSpPr>
+      <p:sp>
+        <p:nvSpPr>
+          <p:cNvPr id="2" name="Title 1">
+            <a:extLst>
+              <a:ext uri="{FF2B5EF4-FFF2-40B4-BE49-F238E27FC236}">
+                <a16:creationId xmlns:a16="http://schemas.microsoft.com/office/drawing/2014/main" id="{89398ED0-03EF-0B4C-8674-869205E44900}"/>
+              </a:ext>
+            </a:extLst>
+          </p:cNvPr>
+          <p:cNvSpPr>
+            <a:spLocks noGrp="1"/>
+          </p:cNvSpPr>
+          <p:nvPr>
+            <p:ph type="title"/>
+          </p:nvPr>
+        </p:nvSpPr>
+        <p:spPr/>
+        <p:txBody>
+          <a:bodyPr/>
+          <a:lstStyle/>
+          <a:p>
+            <a:r>
+              <a:rPr lang="en-VN" dirty="0"/>
+              <a:t>Aggregation</a:t>
+            </a:r>
+          </a:p>
+        </p:txBody>
+      </p:sp>
+      <p:sp>
+        <p:nvSpPr>
+          <p:cNvPr id="3" name="Content Placeholder 2">
+            <a:extLst>
+              <a:ext uri="{FF2B5EF4-FFF2-40B4-BE49-F238E27FC236}">
+                <a16:creationId xmlns:a16="http://schemas.microsoft.com/office/drawing/2014/main" id="{FA73B0B4-9998-F945-9467-DB0F65617FEE}"/>
+              </a:ext>
+            </a:extLst>
+          </p:cNvPr>
+          <p:cNvSpPr>
+            <a:spLocks noGrp="1"/>
+          </p:cNvSpPr>
+          <p:nvPr>
+            <p:ph idx="1"/>
+          </p:nvPr>
+        </p:nvSpPr>
+        <p:spPr/>
+        <p:txBody>
+          <a:bodyPr/>
+          <a:lstStyle/>
+          <a:p>
+            <a:r>
+              <a:rPr lang="en-US" dirty="0"/>
+              <a:t>If a class have an entity reference, it is known as Aggregation. Aggregation represents HAS-A relationship.</a:t>
+            </a:r>
+          </a:p>
+          <a:p>
+            <a:r>
+              <a:rPr lang="en-US" dirty="0"/>
+              <a:t>Consider a situation, Employee object contains many </a:t>
+            </a:r>
+            <a:r>
+              <a:rPr lang="en-US" dirty="0" err="1"/>
+              <a:t>informations</a:t>
+            </a:r>
+            <a:r>
+              <a:rPr lang="en-US" dirty="0"/>
+              <a:t> such as id, name, </a:t>
+            </a:r>
+            <a:r>
+              <a:rPr lang="en-US" dirty="0" err="1"/>
+              <a:t>emailId</a:t>
+            </a:r>
+            <a:r>
+              <a:rPr lang="en-US" dirty="0"/>
+              <a:t> etc. It contains one more object named address, which contains its own </a:t>
+            </a:r>
+            <a:r>
+              <a:rPr lang="en-US" dirty="0" err="1"/>
+              <a:t>informations</a:t>
+            </a:r>
+            <a:r>
+              <a:rPr lang="en-US" dirty="0"/>
+              <a:t> such as city, state, country, </a:t>
+            </a:r>
+            <a:r>
+              <a:rPr lang="en-US" dirty="0" err="1"/>
+              <a:t>zipcode</a:t>
+            </a:r>
+            <a:r>
+              <a:rPr lang="en-US" dirty="0"/>
+              <a:t> etc.</a:t>
+            </a:r>
+          </a:p>
+          <a:p>
+            <a:r>
+              <a:rPr lang="en-US" dirty="0"/>
+              <a:t>https://</a:t>
+            </a:r>
+            <a:r>
+              <a:rPr lang="en-US" dirty="0" err="1"/>
+              <a:t>www.javatpoint.com</a:t>
+            </a:r>
+            <a:r>
+              <a:rPr lang="en-US" dirty="0"/>
+              <a:t>/aggregation-in-java</a:t>
+            </a:r>
+            <a:endParaRPr lang="en-VN" dirty="0"/>
+          </a:p>
+        </p:txBody>
+      </p:sp>
+      <p:sp>
+        <p:nvSpPr>
+          <p:cNvPr id="4" name="Footer Placeholder 3">
+            <a:extLst>
+              <a:ext uri="{FF2B5EF4-FFF2-40B4-BE49-F238E27FC236}">
+                <a16:creationId xmlns:a16="http://schemas.microsoft.com/office/drawing/2014/main" id="{6127870B-C58F-FB48-82DD-6C82EFD048E5}"/>
+              </a:ext>
+            </a:extLst>
+          </p:cNvPr>
+          <p:cNvSpPr>
+            <a:spLocks noGrp="1"/>
+          </p:cNvSpPr>
+          <p:nvPr>
+            <p:ph type="ftr" sz="quarter" idx="10"/>
+          </p:nvPr>
+        </p:nvSpPr>
+        <p:spPr/>
+        <p:txBody>
+          <a:bodyPr/>
+          <a:lstStyle/>
+          <a:p>
+            <a:r>
+              <a:rPr lang="en-US" dirty="0"/>
+              <a:t>Lecture 4: Inheritance</a:t>
+            </a:r>
+          </a:p>
+        </p:txBody>
+      </p:sp>
+      <p:sp>
+        <p:nvSpPr>
+          <p:cNvPr id="5" name="Date Placeholder 4">
+            <a:extLst>
+              <a:ext uri="{FF2B5EF4-FFF2-40B4-BE49-F238E27FC236}">
+                <a16:creationId xmlns:a16="http://schemas.microsoft.com/office/drawing/2014/main" id="{5FA6FF56-B16A-904E-AB08-1B2B022FAB05}"/>
+              </a:ext>
+            </a:extLst>
+          </p:cNvPr>
+          <p:cNvSpPr>
+            <a:spLocks noGrp="1"/>
+          </p:cNvSpPr>
+          <p:nvPr>
+            <p:ph type="dt" sz="half" idx="11"/>
+          </p:nvPr>
+        </p:nvSpPr>
+        <p:spPr/>
+        <p:txBody>
+          <a:bodyPr/>
+          <a:lstStyle/>
+          <a:p>
+            <a:r>
+              <a:rPr lang="mr-IN"/>
+              <a:t>10/10/2020</a:t>
+            </a:r>
+            <a:endParaRPr lang="en-US" dirty="0"/>
+          </a:p>
+        </p:txBody>
+      </p:sp>
+      <p:sp>
+        <p:nvSpPr>
+          <p:cNvPr id="6" name="Slide Number Placeholder 5">
+            <a:extLst>
+              <a:ext uri="{FF2B5EF4-FFF2-40B4-BE49-F238E27FC236}">
+                <a16:creationId xmlns:a16="http://schemas.microsoft.com/office/drawing/2014/main" id="{68603E9F-7EF3-0F40-BE00-A84AD0662399}"/>
+              </a:ext>
+            </a:extLst>
+          </p:cNvPr>
+          <p:cNvSpPr>
+            <a:spLocks noGrp="1"/>
+          </p:cNvSpPr>
+          <p:nvPr>
+            <p:ph type="sldNum" sz="quarter" idx="12"/>
+          </p:nvPr>
+        </p:nvSpPr>
+        <p:spPr/>
+        <p:txBody>
+          <a:bodyPr/>
+          <a:lstStyle/>
+          <a:p>
+            <a:fld id="{1D5CD492-2BC6-F348-9965-EC1D86DF57A8}" type="slidenum">
+              <a:rPr lang="en-US" smtClean="0"/>
+              <a:t>12</a:t>
+            </a:fld>
+            <a:endParaRPr lang="en-US"/>
+          </a:p>
+        </p:txBody>
+      </p:sp>
+    </p:spTree>
+    <p:extLst>
+      <p:ext uri="{BB962C8B-B14F-4D97-AF65-F5344CB8AC3E}">
+        <p14:creationId xmlns:p14="http://schemas.microsoft.com/office/powerpoint/2010/main" val="841575608"/>
+      </p:ext>
+    </p:extLst>
+  </p:cSld>
+  <p:clrMapOvr>
+    <a:masterClrMapping/>
+  </p:clrMapOvr>
+  <p:transition spd="med">
+    <p:wipe dir="r"/>
+  </p:transition>
+</p:sld>
+</file>
+
+<file path=ppt/slides/slide13.xml><?xml version="1.0" encoding="utf-8"?>
+<p:sld xmlns:a="http://schemas.openxmlformats.org/drawingml/2006/main" xmlns:r="http://schemas.openxmlformats.org/officeDocument/2006/relationships" xmlns:p="http://schemas.openxmlformats.org/presentationml/2006/main">
+  <p:cSld>
+    <p:spTree>
+      <p:nvGrpSpPr>
+        <p:cNvPr id="1" name=""/>
+        <p:cNvGrpSpPr/>
+        <p:nvPr/>
+      </p:nvGrpSpPr>
+      <p:grpSpPr>
+        <a:xfrm>
+          <a:off x="0" y="0"/>
+          <a:ext cx="0" cy="0"/>
+          <a:chOff x="0" y="0"/>
+          <a:chExt cx="0" cy="0"/>
+        </a:xfrm>
+      </p:grpSpPr>
+      <p:sp>
+        <p:nvSpPr>
           <p:cNvPr id="2" name="Title 1">
             <a:extLst>
               <a:ext uri="{FF2B5EF4-FFF2-40B4-BE49-F238E27FC236}">
@@ -5014,7 +5837,7 @@
           <a:p>
             <a:fld id="{1D5CD492-2BC6-F348-9965-EC1D86DF57A8}" type="slidenum">
               <a:rPr lang="en-US" smtClean="0"/>
-              <a:t>11</a:t>
+              <a:t>13</a:t>
             </a:fld>
             <a:endParaRPr lang="en-US"/>
           </a:p>

--- a/courses/oopjava/lecture4.pptx
+++ b/courses/oopjava/lecture4.pptx
@@ -5748,7 +5748,17 @@
             </a:r>
             <a:r>
               <a:rPr lang="en-VN" dirty="0"/>
-              <a:t> 2.8</a:t>
+              <a:t> 2.8, 4.1 </a:t>
+            </a:r>
+            <a:r>
+              <a:rPr lang="en-VN" dirty="0">
+                <a:sym typeface="Wingdings" pitchFamily="2" charset="2"/>
+              </a:rPr>
+              <a:t></a:t>
+            </a:r>
+            <a:r>
+              <a:rPr lang="en-VN" dirty="0"/>
+              <a:t> 4.5</a:t>
             </a:r>
           </a:p>
         </p:txBody>

--- a/courses/oopjava/lecture4.pptx
+++ b/courses/oopjava/lecture4.pptx
@@ -254,7 +254,7 @@
             <a:fld id="{CB44B6B1-5441-9644-AE1C-BB7EA5DBA264}" type="datetimeFigureOut">
               <a:rPr lang="en-US" smtClean="0"/>
               <a:pPr/>
-              <a:t>10/10/20</a:t>
+              <a:t>10/17/20</a:t>
             </a:fld>
             <a:endParaRPr lang="en-US"/>
           </a:p>
@@ -422,7 +422,7 @@
             <a:fld id="{41878819-472C-A14B-95BF-39C94BA106B2}" type="datetimeFigureOut">
               <a:rPr lang="en-US" smtClean="0"/>
               <a:pPr/>
-              <a:t>10/10/20</a:t>
+              <a:t>10/17/20</a:t>
             </a:fld>
             <a:endParaRPr lang="en-US"/>
           </a:p>
